--- a/ppt/계획서 0529.pptx
+++ b/ppt/계획서 0529.pptx
@@ -161,7 +161,7 @@
 <file path=ppt/revisionInfo.xml><?xml version="1.0" encoding="utf-8"?>
 <p1510:revInfo xmlns:a="http://schemas.openxmlformats.org/drawingml/2006/main" xmlns:r="http://schemas.openxmlformats.org/officeDocument/2006/relationships" xmlns:p1510="http://schemas.microsoft.com/office/powerpoint/2015/10/main">
   <p1510:revLst>
-    <p1510:client id="{2346600B-2790-F4E4-181C-5C99722DF47C}" v="3697" dt="2021-05-29T12:20:08.248"/>
+    <p1510:client id="{2346600B-2790-F4E4-181C-5C99722DF47C}" v="3727" dt="2021-05-29T12:50:48.161"/>
     <p1510:client id="{A214BF9F-B0E5-0000-95E0-0407B6DC2F3D}" v="724" dt="2021-04-17T10:16:12.518"/>
   </p1510:revLst>
 </p1510:revInfo>
@@ -8499,7 +8499,14 @@
               </a:rPr>
               <a:t>정보를 한 번에 보여줌</a:t>
             </a:r>
-            <a:endParaRPr lang="ko-KR" altLang="en-US" spc="-100">
+          </a:p>
+          <a:p>
+            <a:pPr>
+              <a:lnSpc>
+                <a:spcPct val="110000"/>
+              </a:lnSpc>
+            </a:pPr>
+            <a:endParaRPr lang="ko-KR" altLang="en-US" spc="-100" dirty="0">
               <a:ln>
                 <a:solidFill>
                   <a:srgbClr val="4472C4">
@@ -8516,6 +8523,70 @@
               </a:solidFill>
               <a:latin typeface="SpoqaHanSans-Light" panose="020B0300000000000000" pitchFamily="50" charset="-127"/>
               <a:ea typeface="SpoqaHanSans-Light" panose="020B0300000000000000" pitchFamily="50" charset="-127"/>
+            </a:endParaRPr>
+          </a:p>
+          <a:p>
+            <a:pPr>
+              <a:lnSpc>
+                <a:spcPct val="110000"/>
+              </a:lnSpc>
+            </a:pPr>
+            <a:r>
+              <a:rPr lang="ko-KR" altLang="en-US" spc="-100">
+                <a:ln>
+                  <a:solidFill>
+                    <a:srgbClr val="4472C4">
+                      <a:shade val="50000"/>
+                      <a:alpha val="0"/>
+                    </a:srgbClr>
+                  </a:solidFill>
+                </a:ln>
+                <a:solidFill>
+                  <a:schemeClr val="tx1">
+                    <a:lumMod val="75000"/>
+                    <a:lumOff val="25000"/>
+                  </a:schemeClr>
+                </a:solidFill>
+                <a:latin typeface="SpoqaHanSans-Light" panose="020B0300000000000000" pitchFamily="50" charset="-127"/>
+                <a:ea typeface="SpoqaHanSans-Light"/>
+              </a:rPr>
+              <a:t>우측의 메모창을 이용해</a:t>
+            </a:r>
+          </a:p>
+          <a:p>
+            <a:pPr>
+              <a:lnSpc>
+                <a:spcPct val="110000"/>
+              </a:lnSpc>
+            </a:pPr>
+            <a:r>
+              <a:rPr lang="ko-KR" altLang="en-US" spc="-100">
+                <a:ln>
+                  <a:solidFill>
+                    <a:srgbClr val="4472C4">
+                      <a:shade val="50000"/>
+                      <a:alpha val="0"/>
+                    </a:srgbClr>
+                  </a:solidFill>
+                </a:ln>
+                <a:solidFill>
+                  <a:schemeClr val="tx1">
+                    <a:lumMod val="75000"/>
+                    <a:lumOff val="25000"/>
+                  </a:schemeClr>
+                </a:solidFill>
+                <a:latin typeface="SpoqaHanSans-Light" panose="020B0300000000000000" pitchFamily="50" charset="-127"/>
+                <a:ea typeface="SpoqaHanSans-Light"/>
+              </a:rPr>
+              <a:t>메모 가능</a:t>
+            </a:r>
+            <a:endParaRPr lang="ko-KR">
+              <a:solidFill>
+                <a:schemeClr val="tx1">
+                  <a:lumMod val="75000"/>
+                  <a:lumOff val="25000"/>
+                </a:schemeClr>
+              </a:solidFill>
             </a:endParaRPr>
           </a:p>
         </p:txBody>

--- a/ppt/계획서 0529.pptx
+++ b/ppt/계획서 0529.pptx
@@ -7493,14 +7493,14 @@
           <p:nvPr>
             <p:extLst>
               <p:ext uri="{D42A27DB-BD31-4B8C-83A1-F6EECF244321}">
-                <p14:modId xmlns:p14="http://schemas.microsoft.com/office/powerpoint/2010/main" val="1878698325"/>
+                <p14:modId xmlns:p14="http://schemas.microsoft.com/office/powerpoint/2010/main" val="535676568"/>
               </p:ext>
             </p:extLst>
           </p:nvPr>
         </p:nvGraphicFramePr>
         <p:xfrm>
           <a:off x="837644" y="1910216"/>
-          <a:ext cx="9684023" cy="3825558"/>
+          <a:ext cx="9684023" cy="3900472"/>
         </p:xfrm>
         <a:graphic>
           <a:graphicData uri="http://schemas.openxmlformats.org/drawingml/2006/table">
@@ -8055,6 +8055,26 @@
                       <a:pPr lvl="0">
                         <a:buNone/>
                       </a:pPr>
+                      <a:r>
+                        <a:rPr lang="en-US" altLang="ko-KR" dirty="0"/>
+                        <a:t>Scenebuilder</a:t>
+                      </a:r>
+                      <a:r>
+                        <a:rPr lang="ko-KR" altLang="en-US" dirty="0"/>
+                        <a:t>로 작업해 나온 </a:t>
+                      </a:r>
+                      <a:r>
+                        <a:rPr lang="en-US" altLang="ko-KR" dirty="0"/>
+                        <a:t>FXML</a:t>
+                      </a:r>
+                      <a:r>
+                        <a:rPr lang="ko-KR" altLang="en-US" dirty="0"/>
+                        <a:t>파일에 이벤트 핸들러를 작성하여 저장</a:t>
+                      </a:r>
+                      <a:r>
+                        <a:rPr lang="en-US" altLang="ko-KR" dirty="0"/>
+                        <a:t>.</a:t>
+                      </a:r>
                       <a:endParaRPr lang="ko-KR" altLang="en-US" dirty="0"/>
                     </a:p>
                   </a:txBody>
@@ -8156,12 +8176,8 @@
                         <a:buNone/>
                       </a:pPr>
                       <a:r>
-                        <a:rPr lang="ko-KR" altLang="en-US"/>
-                        <a:t>블랙보드, 학사일정 데이터를 읽어와 데이터셋 클래스에 알맞</a:t>
-                      </a:r>
-                      <a:r>
                         <a:rPr lang="ko-KR" altLang="en-US" dirty="0"/>
-                        <a:t>은 형식으로 저장.</a:t>
+                        <a:t>블랙보드, 학사일정 데이터를 읽어와 데이터셋 클래스에 알맞은 형식으로 저장.</a:t>
                       </a:r>
                     </a:p>
                   </a:txBody>
@@ -13228,14 +13244,14 @@
           <p:nvPr>
             <p:extLst>
               <p:ext uri="{D42A27DB-BD31-4B8C-83A1-F6EECF244321}">
-                <p14:modId xmlns:p14="http://schemas.microsoft.com/office/powerpoint/2010/main" val="354741060"/>
+                <p14:modId xmlns:p14="http://schemas.microsoft.com/office/powerpoint/2010/main" val="3208619848"/>
               </p:ext>
             </p:extLst>
           </p:nvPr>
         </p:nvGraphicFramePr>
         <p:xfrm>
           <a:off x="775753" y="2989790"/>
-          <a:ext cx="8168638" cy="2277915"/>
+          <a:ext cx="8168638" cy="2372050"/>
         </p:xfrm>
         <a:graphic>
           <a:graphicData uri="http://schemas.openxmlformats.org/drawingml/2006/table">
@@ -13338,7 +13354,7 @@
                     <a:p>
                       <a:pPr latinLnBrk="1"/>
                       <a:r>
-                        <a:rPr lang="ko-KR" altLang="en-US"/>
+                        <a:rPr lang="ko-KR" altLang="en-US" dirty="0"/>
                         <a:t>이영호()</a:t>
                       </a:r>
                     </a:p>
@@ -13418,8 +13434,16 @@
                     <a:p>
                       <a:pPr latinLnBrk="1"/>
                       <a:r>
-                        <a:rPr lang="ko-KR" altLang="en-US"/>
-                        <a:t>이정호()</a:t>
+                        <a:rPr lang="ko-KR" altLang="en-US" dirty="0"/>
+                        <a:t>이정호(</a:t>
+                      </a:r>
+                      <a:r>
+                        <a:rPr lang="en-US" altLang="ko-KR" dirty="0"/>
+                        <a:t>17011646</a:t>
+                      </a:r>
+                      <a:r>
+                        <a:rPr lang="ko-KR" altLang="en-US" dirty="0"/>
+                        <a:t>)</a:t>
                       </a:r>
                     </a:p>
                   </a:txBody>
@@ -13459,7 +13483,14 @@
                     <a:lstStyle/>
                     <a:p>
                       <a:pPr latinLnBrk="1"/>
-                      <a:endParaRPr lang="ko-KR" altLang="en-US"/>
+                      <a:r>
+                        <a:rPr lang="en-US" altLang="ko-KR" dirty="0" err="1"/>
+                        <a:t>SceneBuilder</a:t>
+                      </a:r>
+                      <a:r>
+                        <a:rPr lang="ko-KR" altLang="en-US" dirty="0"/>
+                        <a:t>를 이용한 오른쪽 메모기능 추가 </a:t>
+                      </a:r>
                     </a:p>
                   </a:txBody>
                   <a:tcPr>
@@ -13549,10 +13580,21 @@
                         <a:buNone/>
                       </a:pPr>
                       <a:r>
-                        <a:rPr lang="ko-KR" altLang="en-US"/>
-                        <a:t>Selenium을 이용한 블랙보드, 학사일정 데이터 크롤링 및 파싱</a:t>
+                        <a:rPr lang="ko-KR" altLang="en-US" dirty="0" err="1"/>
+                        <a:t>Selenium을</a:t>
                       </a:r>
-                      <a:endParaRPr lang="ko-KR" altLang="en-US" dirty="0"/>
+                      <a:r>
+                        <a:rPr lang="ko-KR" altLang="en-US" dirty="0"/>
+                        <a:t> 이용한 블랙보드, 학사일정 데이터 </a:t>
+                      </a:r>
+                      <a:r>
+                        <a:rPr lang="ko-KR" altLang="en-US" dirty="0" err="1"/>
+                        <a:t>크롤링</a:t>
+                      </a:r>
+                      <a:r>
+                        <a:rPr lang="ko-KR" altLang="en-US" dirty="0"/>
+                        <a:t> 및 파싱</a:t>
+                      </a:r>
                     </a:p>
                   </a:txBody>
                   <a:tcPr>
